--- a/Project3/Reports/BIOS6623_Project3_FinalPresentation.pptx
+++ b/Project3/Reports/BIOS6623_Project3_FinalPresentation.pptx
@@ -249,7 +249,7 @@
           <a:p>
             <a:fld id="{094D3472-87DF-4E6C-B596-B68A546C0313}" type="datetimeFigureOut">
               <a:rPr lang="en-US" smtClean="0"/>
-              <a:t>11/26/2017</a:t>
+              <a:t>11/27/2017</a:t>
             </a:fld>
             <a:endParaRPr lang="en-US"/>
           </a:p>
@@ -419,7 +419,7 @@
           <a:p>
             <a:fld id="{094D3472-87DF-4E6C-B596-B68A546C0313}" type="datetimeFigureOut">
               <a:rPr lang="en-US" smtClean="0"/>
-              <a:t>11/26/2017</a:t>
+              <a:t>11/27/2017</a:t>
             </a:fld>
             <a:endParaRPr lang="en-US"/>
           </a:p>
@@ -599,7 +599,7 @@
           <a:p>
             <a:fld id="{094D3472-87DF-4E6C-B596-B68A546C0313}" type="datetimeFigureOut">
               <a:rPr lang="en-US" smtClean="0"/>
-              <a:t>11/26/2017</a:t>
+              <a:t>11/27/2017</a:t>
             </a:fld>
             <a:endParaRPr lang="en-US"/>
           </a:p>
@@ -807,7 +807,7 @@
           <a:p>
             <a:fld id="{094D3472-87DF-4E6C-B596-B68A546C0313}" type="datetimeFigureOut">
               <a:rPr lang="en-US" smtClean="0"/>
-              <a:t>11/26/2017</a:t>
+              <a:t>11/27/2017</a:t>
             </a:fld>
             <a:endParaRPr lang="en-US"/>
           </a:p>
@@ -1053,7 +1053,7 @@
           <a:p>
             <a:fld id="{094D3472-87DF-4E6C-B596-B68A546C0313}" type="datetimeFigureOut">
               <a:rPr lang="en-US" smtClean="0"/>
-              <a:t>11/26/2017</a:t>
+              <a:t>11/27/2017</a:t>
             </a:fld>
             <a:endParaRPr lang="en-US"/>
           </a:p>
@@ -1285,7 +1285,7 @@
           <a:p>
             <a:fld id="{094D3472-87DF-4E6C-B596-B68A546C0313}" type="datetimeFigureOut">
               <a:rPr lang="en-US" smtClean="0"/>
-              <a:t>11/26/2017</a:t>
+              <a:t>11/27/2017</a:t>
             </a:fld>
             <a:endParaRPr lang="en-US"/>
           </a:p>
@@ -1652,7 +1652,7 @@
           <a:p>
             <a:fld id="{094D3472-87DF-4E6C-B596-B68A546C0313}" type="datetimeFigureOut">
               <a:rPr lang="en-US" smtClean="0"/>
-              <a:t>11/26/2017</a:t>
+              <a:t>11/27/2017</a:t>
             </a:fld>
             <a:endParaRPr lang="en-US"/>
           </a:p>
@@ -1770,7 +1770,7 @@
           <a:p>
             <a:fld id="{094D3472-87DF-4E6C-B596-B68A546C0313}" type="datetimeFigureOut">
               <a:rPr lang="en-US" smtClean="0"/>
-              <a:t>11/26/2017</a:t>
+              <a:t>11/27/2017</a:t>
             </a:fld>
             <a:endParaRPr lang="en-US"/>
           </a:p>
@@ -1865,7 +1865,7 @@
           <a:p>
             <a:fld id="{094D3472-87DF-4E6C-B596-B68A546C0313}" type="datetimeFigureOut">
               <a:rPr lang="en-US" smtClean="0"/>
-              <a:t>11/26/2017</a:t>
+              <a:t>11/27/2017</a:t>
             </a:fld>
             <a:endParaRPr lang="en-US"/>
           </a:p>
@@ -2142,7 +2142,7 @@
           <a:p>
             <a:fld id="{094D3472-87DF-4E6C-B596-B68A546C0313}" type="datetimeFigureOut">
               <a:rPr lang="en-US" smtClean="0"/>
-              <a:t>11/26/2017</a:t>
+              <a:t>11/27/2017</a:t>
             </a:fld>
             <a:endParaRPr lang="en-US"/>
           </a:p>
@@ -2395,7 +2395,7 @@
           <a:p>
             <a:fld id="{094D3472-87DF-4E6C-B596-B68A546C0313}" type="datetimeFigureOut">
               <a:rPr lang="en-US" smtClean="0"/>
-              <a:t>11/26/2017</a:t>
+              <a:t>11/27/2017</a:t>
             </a:fld>
             <a:endParaRPr lang="en-US"/>
           </a:p>
@@ -2608,7 +2608,7 @@
           <a:p>
             <a:fld id="{094D3472-87DF-4E6C-B596-B68A546C0313}" type="datetimeFigureOut">
               <a:rPr lang="en-US" smtClean="0"/>
-              <a:t>11/26/2017</a:t>
+              <a:t>11/27/2017</a:t>
             </a:fld>
             <a:endParaRPr lang="en-US"/>
           </a:p>
@@ -3142,11 +3142,7 @@
             <a:pPr algn="ctr"/>
             <a:r>
               <a:rPr lang="en-US" dirty="0" smtClean="0"/>
-              <a:t>Research </a:t>
-            </a:r>
-            <a:r>
-              <a:rPr lang="en-US" dirty="0" smtClean="0"/>
-              <a:t>Questions</a:t>
+              <a:t>Research Questions</a:t>
             </a:r>
             <a:endParaRPr lang="en-US" dirty="0"/>
           </a:p>
@@ -3247,59 +3243,112 @@
           </a:p>
         </p:txBody>
       </p:sp>
+      <p:sp>
+        <p:nvSpPr>
+          <p:cNvPr id="9" name="TextBox 8"/>
+          <p:cNvSpPr txBox="1"/>
+          <p:nvPr/>
+        </p:nvSpPr>
+        <p:spPr>
+          <a:xfrm>
+            <a:off x="2937923" y="5016071"/>
+            <a:ext cx="6316153" cy="646331"/>
+          </a:xfrm>
+          <a:prstGeom prst="rect">
+            <a:avLst/>
+          </a:prstGeom>
+          <a:noFill/>
+        </p:spPr>
+        <p:txBody>
+          <a:bodyPr wrap="none" rtlCol="0">
+            <a:spAutoFit/>
+          </a:bodyPr>
+          <a:lstStyle/>
+          <a:p>
+            <a:r>
+              <a:rPr lang="en-US" dirty="0" smtClean="0"/>
+              <a:t>216 individuals </a:t>
+            </a:r>
+            <a:r>
+              <a:rPr lang="en-US" dirty="0" smtClean="0">
+                <a:sym typeface="Wingdings" panose="05000000000000000000" pitchFamily="2" charset="2"/>
+              </a:rPr>
+              <a:t> 187 individuals for analysis due to </a:t>
+            </a:r>
+            <a:r>
+              <a:rPr lang="en-US" dirty="0" err="1" smtClean="0">
+                <a:sym typeface="Wingdings" panose="05000000000000000000" pitchFamily="2" charset="2"/>
+              </a:rPr>
+              <a:t>missingness</a:t>
+            </a:r>
+            <a:endParaRPr lang="en-US" dirty="0" smtClean="0">
+              <a:sym typeface="Wingdings" panose="05000000000000000000" pitchFamily="2" charset="2"/>
+            </a:endParaRPr>
+          </a:p>
+          <a:p>
+            <a:r>
+              <a:rPr lang="en-US" dirty="0" smtClean="0">
+                <a:sym typeface="Wingdings" panose="05000000000000000000" pitchFamily="2" charset="2"/>
+              </a:rPr>
+              <a:t>Outcome: Category Fluency for animal test (Animal Score)</a:t>
+            </a:r>
+            <a:endParaRPr lang="en-US" dirty="0"/>
+          </a:p>
+        </p:txBody>
+      </p:sp>
       <p:graphicFrame>
         <p:nvGraphicFramePr>
-          <p:cNvPr id="7" name="Table 6"/>
+          <p:cNvPr id="4" name="Table 3"/>
           <p:cNvGraphicFramePr>
             <a:graphicFrameLocks noGrp="1"/>
           </p:cNvGraphicFramePr>
           <p:nvPr>
             <p:extLst>
               <p:ext uri="{D42A27DB-BD31-4B8C-83A1-F6EECF244321}">
-                <p14:modId xmlns:p14="http://schemas.microsoft.com/office/powerpoint/2010/main" val="2000808912"/>
+                <p14:modId xmlns:p14="http://schemas.microsoft.com/office/powerpoint/2010/main" val="734129444"/>
               </p:ext>
             </p:extLst>
           </p:nvPr>
         </p:nvGraphicFramePr>
         <p:xfrm>
-          <a:off x="1814656" y="2521961"/>
-          <a:ext cx="8562686" cy="2424631"/>
+          <a:off x="1985529" y="1996779"/>
+          <a:ext cx="8220942" cy="2870218"/>
         </p:xfrm>
         <a:graphic>
           <a:graphicData uri="http://schemas.openxmlformats.org/drawingml/2006/table">
             <a:tbl>
               <a:tblPr firstRow="1" firstCol="1" bandRow="1"/>
               <a:tblGrid>
-                <a:gridCol w="2104389">
+                <a:gridCol w="2180361">
                   <a:extLst>
                     <a:ext uri="{9D8B030D-6E8A-4147-A177-3AD203B41FA5}">
-                      <a16:colId xmlns:a16="http://schemas.microsoft.com/office/drawing/2014/main" val="1232290313"/>
+                      <a16:colId xmlns:a16="http://schemas.microsoft.com/office/drawing/2014/main" val="3426414165"/>
                     </a:ext>
                   </a:extLst>
                 </a:gridCol>
-                <a:gridCol w="2394649">
+                <a:gridCol w="2139117">
                   <a:extLst>
                     <a:ext uri="{9D8B030D-6E8A-4147-A177-3AD203B41FA5}">
-                      <a16:colId xmlns:a16="http://schemas.microsoft.com/office/drawing/2014/main" val="2435709308"/>
+                      <a16:colId xmlns:a16="http://schemas.microsoft.com/office/drawing/2014/main" val="1230916642"/>
                     </a:ext>
                   </a:extLst>
                 </a:gridCol>
-                <a:gridCol w="1959259">
+                <a:gridCol w="1881063">
                   <a:extLst>
                     <a:ext uri="{9D8B030D-6E8A-4147-A177-3AD203B41FA5}">
-                      <a16:colId xmlns:a16="http://schemas.microsoft.com/office/drawing/2014/main" val="2570939953"/>
+                      <a16:colId xmlns:a16="http://schemas.microsoft.com/office/drawing/2014/main" val="2717009867"/>
                     </a:ext>
                   </a:extLst>
                 </a:gridCol>
-                <a:gridCol w="2104389">
+                <a:gridCol w="2020401">
                   <a:extLst>
                     <a:ext uri="{9D8B030D-6E8A-4147-A177-3AD203B41FA5}">
-                      <a16:colId xmlns:a16="http://schemas.microsoft.com/office/drawing/2014/main" val="3461437085"/>
+                      <a16:colId xmlns:a16="http://schemas.microsoft.com/office/drawing/2014/main" val="3089434724"/>
                     </a:ext>
                   </a:extLst>
                 </a:gridCol>
               </a:tblGrid>
-              <a:tr h="242589">
+              <a:tr h="257857">
                 <a:tc gridSpan="4">
                   <a:txBody>
                     <a:bodyPr/>
@@ -3314,7 +3363,7 @@
                         </a:spcAft>
                       </a:pPr>
                       <a:r>
-                        <a:rPr lang="en-US" sz="1600" b="1" dirty="0">
+                        <a:rPr lang="en-US" sz="1600" b="1">
                           <a:solidFill>
                             <a:srgbClr val="000000"/>
                           </a:solidFill>
@@ -3325,7 +3374,7 @@
                         </a:rPr>
                         <a:t>Table One: Demographics</a:t>
                       </a:r>
-                      <a:endParaRPr lang="en-US" sz="1400" dirty="0">
+                      <a:endParaRPr lang="en-US" sz="1400">
                         <a:effectLst/>
                         <a:latin typeface="Times New Roman" panose="02020603050405020304" pitchFamily="18" charset="0"/>
                         <a:ea typeface="Calibri" panose="020F0502020204030204" pitchFamily="34" charset="0"/>
@@ -3386,11 +3435,11 @@
                 </a:tc>
                 <a:extLst>
                   <a:ext uri="{0D108BD9-81ED-4DB2-BD59-A6C34878D82A}">
-                    <a16:rowId xmlns:a16="http://schemas.microsoft.com/office/drawing/2014/main" val="3259504710"/>
+                    <a16:rowId xmlns:a16="http://schemas.microsoft.com/office/drawing/2014/main" val="2887375580"/>
                   </a:ext>
                 </a:extLst>
               </a:tr>
-              <a:tr h="242589">
+              <a:tr h="257857">
                 <a:tc>
                   <a:txBody>
                     <a:bodyPr/>
@@ -3645,11 +3694,11 @@
                 </a:tc>
                 <a:extLst>
                   <a:ext uri="{0D108BD9-81ED-4DB2-BD59-A6C34878D82A}">
-                    <a16:rowId xmlns:a16="http://schemas.microsoft.com/office/drawing/2014/main" val="1280914854"/>
+                    <a16:rowId xmlns:a16="http://schemas.microsoft.com/office/drawing/2014/main" val="4077566620"/>
                   </a:ext>
                 </a:extLst>
               </a:tr>
-              <a:tr h="276886">
+              <a:tr h="294313">
                 <a:tc>
                   <a:txBody>
                     <a:bodyPr/>
@@ -3868,11 +3917,222 @@
                 </a:tc>
                 <a:extLst>
                   <a:ext uri="{0D108BD9-81ED-4DB2-BD59-A6C34878D82A}">
-                    <a16:rowId xmlns:a16="http://schemas.microsoft.com/office/drawing/2014/main" val="3105999055"/>
+                    <a16:rowId xmlns:a16="http://schemas.microsoft.com/office/drawing/2014/main" val="3243301934"/>
                   </a:ext>
                 </a:extLst>
               </a:tr>
-              <a:tr h="276886">
+              <a:tr h="294313">
+                <a:tc>
+                  <a:txBody>
+                    <a:bodyPr/>
+                    <a:lstStyle/>
+                    <a:p>
+                      <a:pPr marL="0" marR="0">
+                        <a:spcBef>
+                          <a:spcPts val="0"/>
+                        </a:spcBef>
+                        <a:spcAft>
+                          <a:spcPts val="0"/>
+                        </a:spcAft>
+                      </a:pPr>
+                      <a:r>
+                        <a:rPr lang="en-US" sz="1400" b="1">
+                          <a:solidFill>
+                            <a:srgbClr val="000000"/>
+                          </a:solidFill>
+                          <a:effectLst/>
+                          <a:latin typeface="Times New Roman" panose="02020603050405020304" pitchFamily="18" charset="0"/>
+                          <a:ea typeface="Times New Roman" panose="02020603050405020304" pitchFamily="18" charset="0"/>
+                          <a:cs typeface="Times New Roman" panose="02020603050405020304" pitchFamily="18" charset="0"/>
+                        </a:rPr>
+                        <a:t># Obs </a:t>
+                      </a:r>
+                      <a:r>
+                        <a:rPr lang="en-US" sz="1400">
+                          <a:solidFill>
+                            <a:srgbClr val="000000"/>
+                          </a:solidFill>
+                          <a:effectLst/>
+                          <a:latin typeface="Times New Roman" panose="02020603050405020304" pitchFamily="18" charset="0"/>
+                          <a:ea typeface="Times New Roman" panose="02020603050405020304" pitchFamily="18" charset="0"/>
+                          <a:cs typeface="Times New Roman" panose="02020603050405020304" pitchFamily="18" charset="0"/>
+                        </a:rPr>
+                        <a:t>(mean ± sd)</a:t>
+                      </a:r>
+                      <a:endParaRPr lang="en-US" sz="1400">
+                        <a:effectLst/>
+                        <a:latin typeface="Times New Roman" panose="02020603050405020304" pitchFamily="18" charset="0"/>
+                        <a:ea typeface="Calibri" panose="020F0502020204030204" pitchFamily="34" charset="0"/>
+                        <a:cs typeface="Times New Roman" panose="02020603050405020304" pitchFamily="18" charset="0"/>
+                      </a:endParaRPr>
+                    </a:p>
+                  </a:txBody>
+                  <a:tcPr marL="68580" marR="68580" marT="0" marB="0" anchor="ctr">
+                    <a:lnL>
+                      <a:noFill/>
+                    </a:lnL>
+                    <a:lnR>
+                      <a:noFill/>
+                    </a:lnR>
+                    <a:lnT>
+                      <a:noFill/>
+                    </a:lnT>
+                    <a:lnB>
+                      <a:noFill/>
+                    </a:lnB>
+                  </a:tcPr>
+                </a:tc>
+                <a:tc>
+                  <a:txBody>
+                    <a:bodyPr/>
+                    <a:lstStyle/>
+                    <a:p>
+                      <a:pPr marL="0" marR="0" algn="ctr">
+                        <a:spcBef>
+                          <a:spcPts val="0"/>
+                        </a:spcBef>
+                        <a:spcAft>
+                          <a:spcPts val="0"/>
+                        </a:spcAft>
+                      </a:pPr>
+                      <a:r>
+                        <a:rPr lang="en-US" sz="1400">
+                          <a:solidFill>
+                            <a:srgbClr val="000000"/>
+                          </a:solidFill>
+                          <a:effectLst/>
+                          <a:latin typeface="Times New Roman" panose="02020603050405020304" pitchFamily="18" charset="0"/>
+                          <a:ea typeface="Calibri" panose="020F0502020204030204" pitchFamily="34" charset="0"/>
+                          <a:cs typeface="Times New Roman" panose="02020603050405020304" pitchFamily="18" charset="0"/>
+                        </a:rPr>
+                        <a:t>15.67 ± 8.42</a:t>
+                      </a:r>
+                      <a:endParaRPr lang="en-US" sz="1400">
+                        <a:effectLst/>
+                        <a:latin typeface="Times New Roman" panose="02020603050405020304" pitchFamily="18" charset="0"/>
+                        <a:ea typeface="Calibri" panose="020F0502020204030204" pitchFamily="34" charset="0"/>
+                        <a:cs typeface="Times New Roman" panose="02020603050405020304" pitchFamily="18" charset="0"/>
+                      </a:endParaRPr>
+                    </a:p>
+                  </a:txBody>
+                  <a:tcPr marL="68580" marR="68580" marT="0" marB="0" anchor="ctr">
+                    <a:lnL>
+                      <a:noFill/>
+                    </a:lnL>
+                    <a:lnR>
+                      <a:noFill/>
+                    </a:lnR>
+                    <a:lnT>
+                      <a:noFill/>
+                    </a:lnT>
+                    <a:lnB>
+                      <a:noFill/>
+                    </a:lnB>
+                  </a:tcPr>
+                </a:tc>
+                <a:tc>
+                  <a:txBody>
+                    <a:bodyPr/>
+                    <a:lstStyle/>
+                    <a:p>
+                      <a:pPr marL="0" marR="0" algn="ctr">
+                        <a:spcBef>
+                          <a:spcPts val="0"/>
+                        </a:spcBef>
+                        <a:spcAft>
+                          <a:spcPts val="0"/>
+                        </a:spcAft>
+                      </a:pPr>
+                      <a:r>
+                        <a:rPr lang="en-US" sz="1400">
+                          <a:solidFill>
+                            <a:srgbClr val="000000"/>
+                          </a:solidFill>
+                          <a:effectLst/>
+                          <a:latin typeface="Times New Roman" panose="02020603050405020304" pitchFamily="18" charset="0"/>
+                          <a:ea typeface="Calibri" panose="020F0502020204030204" pitchFamily="34" charset="0"/>
+                          <a:cs typeface="Times New Roman" panose="02020603050405020304" pitchFamily="18" charset="0"/>
+                        </a:rPr>
+                        <a:t>18.73 ± 6.18</a:t>
+                      </a:r>
+                      <a:endParaRPr lang="en-US" sz="1400">
+                        <a:effectLst/>
+                        <a:latin typeface="Times New Roman" panose="02020603050405020304" pitchFamily="18" charset="0"/>
+                        <a:ea typeface="Calibri" panose="020F0502020204030204" pitchFamily="34" charset="0"/>
+                        <a:cs typeface="Times New Roman" panose="02020603050405020304" pitchFamily="18" charset="0"/>
+                      </a:endParaRPr>
+                    </a:p>
+                  </a:txBody>
+                  <a:tcPr marL="68580" marR="68580" marT="0" marB="0" anchor="ctr">
+                    <a:lnL>
+                      <a:noFill/>
+                    </a:lnL>
+                    <a:lnR>
+                      <a:noFill/>
+                    </a:lnR>
+                    <a:lnT>
+                      <a:noFill/>
+                    </a:lnT>
+                    <a:lnB>
+                      <a:noFill/>
+                    </a:lnB>
+                  </a:tcPr>
+                </a:tc>
+                <a:tc>
+                  <a:txBody>
+                    <a:bodyPr/>
+                    <a:lstStyle/>
+                    <a:p>
+                      <a:pPr marL="0" marR="0" algn="ctr">
+                        <a:spcBef>
+                          <a:spcPts val="0"/>
+                        </a:spcBef>
+                        <a:spcAft>
+                          <a:spcPts val="0"/>
+                        </a:spcAft>
+                      </a:pPr>
+                      <a:r>
+                        <a:rPr lang="en-US" sz="1400">
+                          <a:solidFill>
+                            <a:srgbClr val="000000"/>
+                          </a:solidFill>
+                          <a:effectLst/>
+                          <a:latin typeface="Times New Roman" panose="02020603050405020304" pitchFamily="18" charset="0"/>
+                          <a:ea typeface="Calibri" panose="020F0502020204030204" pitchFamily="34" charset="0"/>
+                          <a:cs typeface="Times New Roman" panose="02020603050405020304" pitchFamily="18" charset="0"/>
+                        </a:rPr>
+                        <a:t>14.17 ± 8.97</a:t>
+                      </a:r>
+                      <a:endParaRPr lang="en-US" sz="1400">
+                        <a:effectLst/>
+                        <a:latin typeface="Times New Roman" panose="02020603050405020304" pitchFamily="18" charset="0"/>
+                        <a:ea typeface="Calibri" panose="020F0502020204030204" pitchFamily="34" charset="0"/>
+                        <a:cs typeface="Times New Roman" panose="02020603050405020304" pitchFamily="18" charset="0"/>
+                      </a:endParaRPr>
+                    </a:p>
+                  </a:txBody>
+                  <a:tcPr marL="68580" marR="68580" marT="0" marB="0" anchor="ctr">
+                    <a:lnL>
+                      <a:noFill/>
+                    </a:lnL>
+                    <a:lnR>
+                      <a:noFill/>
+                    </a:lnR>
+                    <a:lnT>
+                      <a:noFill/>
+                    </a:lnT>
+                    <a:lnB>
+                      <a:noFill/>
+                    </a:lnB>
+                  </a:tcPr>
+                </a:tc>
+                <a:extLst>
+                  <a:ext uri="{0D108BD9-81ED-4DB2-BD59-A6C34878D82A}">
+                    <a16:rowId xmlns:a16="http://schemas.microsoft.com/office/drawing/2014/main" val="1379084513"/>
+                  </a:ext>
+                </a:extLst>
+              </a:tr>
+              <a:tr h="294313">
                 <a:tc>
                   <a:txBody>
                     <a:bodyPr/>
@@ -4079,11 +4339,11 @@
                 </a:tc>
                 <a:extLst>
                   <a:ext uri="{0D108BD9-81ED-4DB2-BD59-A6C34878D82A}">
-                    <a16:rowId xmlns:a16="http://schemas.microsoft.com/office/drawing/2014/main" val="239697825"/>
+                    <a16:rowId xmlns:a16="http://schemas.microsoft.com/office/drawing/2014/main" val="3006714336"/>
                   </a:ext>
                 </a:extLst>
               </a:tr>
-              <a:tr h="276886">
+              <a:tr h="294313">
                 <a:tc>
                   <a:txBody>
                     <a:bodyPr/>
@@ -4194,7 +4454,7 @@
                         </a:spcAft>
                       </a:pPr>
                       <a:r>
-                        <a:rPr lang="en-US" sz="1400" dirty="0">
+                        <a:rPr lang="en-US" sz="1400">
                           <a:solidFill>
                             <a:srgbClr val="000000"/>
                           </a:solidFill>
@@ -4205,7 +4465,7 @@
                         </a:rPr>
                         <a:t>33.8 (24)</a:t>
                       </a:r>
-                      <a:endParaRPr lang="en-US" sz="1400" dirty="0">
+                      <a:endParaRPr lang="en-US" sz="1400">
                         <a:effectLst/>
                         <a:latin typeface="Times New Roman" panose="02020603050405020304" pitchFamily="18" charset="0"/>
                         <a:ea typeface="Calibri" panose="020F0502020204030204" pitchFamily="34" charset="0"/>
@@ -4278,11 +4538,11 @@
                 </a:tc>
                 <a:extLst>
                   <a:ext uri="{0D108BD9-81ED-4DB2-BD59-A6C34878D82A}">
-                    <a16:rowId xmlns:a16="http://schemas.microsoft.com/office/drawing/2014/main" val="989577652"/>
+                    <a16:rowId xmlns:a16="http://schemas.microsoft.com/office/drawing/2014/main" val="3091493959"/>
                   </a:ext>
                 </a:extLst>
               </a:tr>
-              <a:tr h="276886">
+              <a:tr h="294313">
                 <a:tc>
                   <a:txBody>
                     <a:bodyPr/>
@@ -4477,11 +4737,11 @@
                 </a:tc>
                 <a:extLst>
                   <a:ext uri="{0D108BD9-81ED-4DB2-BD59-A6C34878D82A}">
-                    <a16:rowId xmlns:a16="http://schemas.microsoft.com/office/drawing/2014/main" val="2855327723"/>
+                    <a16:rowId xmlns:a16="http://schemas.microsoft.com/office/drawing/2014/main" val="3236065002"/>
                   </a:ext>
                 </a:extLst>
               </a:tr>
-              <a:tr h="276886">
+              <a:tr h="294313">
                 <a:tc>
                   <a:txBody>
                     <a:bodyPr/>
@@ -4688,11 +4948,11 @@
                 </a:tc>
                 <a:extLst>
                   <a:ext uri="{0D108BD9-81ED-4DB2-BD59-A6C34878D82A}">
-                    <a16:rowId xmlns:a16="http://schemas.microsoft.com/office/drawing/2014/main" val="1254277189"/>
+                    <a16:rowId xmlns:a16="http://schemas.microsoft.com/office/drawing/2014/main" val="2347324159"/>
                   </a:ext>
                 </a:extLst>
               </a:tr>
-              <a:tr h="276886">
+              <a:tr h="294313">
                 <a:tc>
                   <a:txBody>
                     <a:bodyPr/>
@@ -4899,11 +5159,11 @@
                 </a:tc>
                 <a:extLst>
                   <a:ext uri="{0D108BD9-81ED-4DB2-BD59-A6C34878D82A}">
-                    <a16:rowId xmlns:a16="http://schemas.microsoft.com/office/drawing/2014/main" val="588075706"/>
+                    <a16:rowId xmlns:a16="http://schemas.microsoft.com/office/drawing/2014/main" val="3580618772"/>
                   </a:ext>
                 </a:extLst>
               </a:tr>
-              <a:tr h="276886">
+              <a:tr h="294313">
                 <a:tc>
                   <a:txBody>
                     <a:bodyPr/>
@@ -5134,7 +5394,7 @@
                 </a:tc>
                 <a:extLst>
                   <a:ext uri="{0D108BD9-81ED-4DB2-BD59-A6C34878D82A}">
-                    <a16:rowId xmlns:a16="http://schemas.microsoft.com/office/drawing/2014/main" val="1682553869"/>
+                    <a16:rowId xmlns:a16="http://schemas.microsoft.com/office/drawing/2014/main" val="2887929856"/>
                   </a:ext>
                 </a:extLst>
               </a:tr>
@@ -5142,59 +5402,6 @@
           </a:graphicData>
         </a:graphic>
       </p:graphicFrame>
-      <p:sp>
-        <p:nvSpPr>
-          <p:cNvPr id="9" name="TextBox 8"/>
-          <p:cNvSpPr txBox="1"/>
-          <p:nvPr/>
-        </p:nvSpPr>
-        <p:spPr>
-          <a:xfrm>
-            <a:off x="2937923" y="5256216"/>
-            <a:ext cx="6316153" cy="646331"/>
-          </a:xfrm>
-          <a:prstGeom prst="rect">
-            <a:avLst/>
-          </a:prstGeom>
-          <a:noFill/>
-        </p:spPr>
-        <p:txBody>
-          <a:bodyPr wrap="none" rtlCol="0">
-            <a:spAutoFit/>
-          </a:bodyPr>
-          <a:lstStyle/>
-          <a:p>
-            <a:r>
-              <a:rPr lang="en-US" dirty="0" smtClean="0"/>
-              <a:t>216 individuals </a:t>
-            </a:r>
-            <a:r>
-              <a:rPr lang="en-US" dirty="0" smtClean="0">
-                <a:sym typeface="Wingdings" panose="05000000000000000000" pitchFamily="2" charset="2"/>
-              </a:rPr>
-              <a:t> 187 individuals for analysis due to </a:t>
-            </a:r>
-            <a:r>
-              <a:rPr lang="en-US" dirty="0" err="1" smtClean="0">
-                <a:sym typeface="Wingdings" panose="05000000000000000000" pitchFamily="2" charset="2"/>
-              </a:rPr>
-              <a:t>missingness</a:t>
-            </a:r>
-            <a:endParaRPr lang="en-US" dirty="0" smtClean="0">
-              <a:sym typeface="Wingdings" panose="05000000000000000000" pitchFamily="2" charset="2"/>
-            </a:endParaRPr>
-          </a:p>
-          <a:p>
-            <a:r>
-              <a:rPr lang="en-US" dirty="0" smtClean="0">
-                <a:sym typeface="Wingdings" panose="05000000000000000000" pitchFamily="2" charset="2"/>
-              </a:rPr>
-              <a:t>Outcome: Category Fluency for animal test (Animal Score)</a:t>
-            </a:r>
-            <a:endParaRPr lang="en-US" dirty="0"/>
-          </a:p>
-        </p:txBody>
-      </p:sp>
     </p:spTree>
     <p:extLst>
       <p:ext uri="{BB962C8B-B14F-4D97-AF65-F5344CB8AC3E}">
@@ -5266,7 +5473,15 @@
           <a:p>
             <a:r>
               <a:rPr lang="en-US" dirty="0" smtClean="0"/>
-              <a:t>Change point (-3.9 years) identified via likelihood maximization</a:t>
+              <a:t>Change point </a:t>
+            </a:r>
+            <a:r>
+              <a:rPr lang="en-US" dirty="0" smtClean="0"/>
+              <a:t>identified </a:t>
+            </a:r>
+            <a:r>
+              <a:rPr lang="en-US" dirty="0" smtClean="0"/>
+              <a:t>via likelihood maximization</a:t>
             </a:r>
           </a:p>
           <a:p>
@@ -5299,11 +5514,7 @@
           <a:p>
             <a:r>
               <a:rPr lang="en-US" dirty="0" smtClean="0"/>
-              <a:t>Use bootstrapping to get CI around change point and accurate SE for the </a:t>
-            </a:r>
-            <a:r>
-              <a:rPr lang="en-US" dirty="0" smtClean="0"/>
-              <a:t>model estimates.</a:t>
+              <a:t>Use bootstrapping to get CI around change point and accurate SE for the model estimates.</a:t>
             </a:r>
             <a:endParaRPr lang="en-US" dirty="0"/>
           </a:p>
@@ -8065,7 +8276,6 @@
               <a:rPr lang="en-US" dirty="0" smtClean="0"/>
               <a:t>Approximately 4 years prior to dementia in a crucial time for cognitive change. </a:t>
             </a:r>
-            <a:endParaRPr lang="en-US" dirty="0" smtClean="0"/>
           </a:p>
           <a:p>
             <a:pPr marL="0" indent="0">
@@ -8083,32 +8293,27 @@
             <a:pPr lvl="1"/>
             <a:r>
               <a:rPr lang="en-US" dirty="0" smtClean="0"/>
-              <a:t>Sample size </a:t>
-            </a:r>
+              <a:t>Sample size loss</a:t>
+            </a:r>
+          </a:p>
+          <a:p>
+            <a:pPr lvl="1"/>
             <a:r>
               <a:rPr lang="en-US" dirty="0" smtClean="0"/>
-              <a:t>loss</a:t>
+              <a:t>Large CI around change point</a:t>
+            </a:r>
+          </a:p>
+          <a:p>
+            <a:pPr lvl="1"/>
+            <a:r>
+              <a:rPr lang="en-US" dirty="0" smtClean="0"/>
+              <a:t>More data on </a:t>
+            </a:r>
+            <a:r>
+              <a:rPr lang="en-US" smtClean="0"/>
+              <a:t>dementia patients</a:t>
             </a:r>
             <a:endParaRPr lang="en-US" dirty="0" smtClean="0"/>
-          </a:p>
-          <a:p>
-            <a:pPr lvl="1"/>
-            <a:r>
-              <a:rPr lang="en-US" dirty="0" smtClean="0"/>
-              <a:t>Fixed Change </a:t>
-            </a:r>
-            <a:r>
-              <a:rPr lang="en-US" dirty="0" smtClean="0"/>
-              <a:t>point</a:t>
-            </a:r>
-          </a:p>
-          <a:p>
-            <a:pPr lvl="1"/>
-            <a:r>
-              <a:rPr lang="en-US" dirty="0" smtClean="0"/>
-              <a:t>MORE?!</a:t>
-            </a:r>
-            <a:endParaRPr lang="en-US" dirty="0"/>
           </a:p>
         </p:txBody>
       </p:sp>
